--- a/Tai lieu/DuAn.pptx
+++ b/Tai lieu/DuAn.pptx
@@ -222,7 +222,7 @@
           <a:p>
             <a:fld id="{AE2A0723-01D1-412A-8EC4-16FA1DD3D4B0}" type="datetimeFigureOut">
               <a:rPr lang="en-US" smtClean="0"/>
-              <a:t>01/22/2021</a:t>
+              <a:t>01/26/2021</a:t>
             </a:fld>
             <a:endParaRPr lang="en-US"/>
           </a:p>
@@ -5470,10 +5470,10 @@
       </p:pic>
       <p:pic>
         <p:nvPicPr>
-          <p:cNvPr id="8" name="Picture 7">
+          <p:cNvPr id="9" name="Picture 8">
             <a:extLst>
               <a:ext uri="{FF2B5EF4-FFF2-40B4-BE49-F238E27FC236}">
-                <a16:creationId xmlns:a16="http://schemas.microsoft.com/office/drawing/2014/main" id="{AEBF6574-A173-4D13-A9C1-17C5349CA163}"/>
+                <a16:creationId xmlns:a16="http://schemas.microsoft.com/office/drawing/2014/main" id="{30CA0F94-E7B3-48D5-A84B-6795758CE8AF}"/>
               </a:ext>
             </a:extLst>
           </p:cNvPr>
@@ -5496,8 +5496,8 @@
         </p:blipFill>
         <p:spPr>
           <a:xfrm>
-            <a:off x="36555" y="9835"/>
-            <a:ext cx="1439101" cy="545691"/>
+            <a:off x="35496" y="0"/>
+            <a:ext cx="1476103" cy="645727"/>
           </a:xfrm>
           <a:prstGeom prst="rect">
             <a:avLst/>
@@ -5603,42 +5603,6 @@
       </p:sp>
       <p:pic>
         <p:nvPicPr>
-          <p:cNvPr id="31" name="Picture 30">
-            <a:extLst>
-              <a:ext uri="{FF2B5EF4-FFF2-40B4-BE49-F238E27FC236}">
-                <a16:creationId xmlns:a16="http://schemas.microsoft.com/office/drawing/2014/main" id="{82E4B9DC-648A-48DC-9FFE-9D8C6271EF5E}"/>
-              </a:ext>
-            </a:extLst>
-          </p:cNvPr>
-          <p:cNvPicPr>
-            <a:picLocks noChangeAspect="1"/>
-          </p:cNvPicPr>
-          <p:nvPr/>
-        </p:nvPicPr>
-        <p:blipFill>
-          <a:blip r:embed="rId3" cstate="print">
-            <a:extLst>
-              <a:ext uri="{28A0092B-C50C-407E-A947-70E740481C1C}">
-                <a14:useLocalDpi xmlns:a14="http://schemas.microsoft.com/office/drawing/2010/main" val="0"/>
-              </a:ext>
-            </a:extLst>
-          </a:blip>
-          <a:stretch>
-            <a:fillRect/>
-          </a:stretch>
-        </p:blipFill>
-        <p:spPr>
-          <a:xfrm>
-            <a:off x="36555" y="9835"/>
-            <a:ext cx="1439101" cy="545691"/>
-          </a:xfrm>
-          <a:prstGeom prst="rect">
-            <a:avLst/>
-          </a:prstGeom>
-        </p:spPr>
-      </p:pic>
-      <p:pic>
-        <p:nvPicPr>
           <p:cNvPr id="37" name="Picture 36">
             <a:extLst>
               <a:ext uri="{FF2B5EF4-FFF2-40B4-BE49-F238E27FC236}">
@@ -5652,7 +5616,7 @@
           <p:nvPr/>
         </p:nvPicPr>
         <p:blipFill>
-          <a:blip r:embed="rId4">
+          <a:blip r:embed="rId3">
             <a:extLst>
               <a:ext uri="{28A0092B-C50C-407E-A947-70E740481C1C}">
                 <a14:useLocalDpi xmlns:a14="http://schemas.microsoft.com/office/drawing/2010/main" val="0"/>
@@ -5667,6 +5631,42 @@
           <a:xfrm>
             <a:off x="1259633" y="1665721"/>
             <a:ext cx="8136904" cy="2418197"/>
+          </a:xfrm>
+          <a:prstGeom prst="rect">
+            <a:avLst/>
+          </a:prstGeom>
+        </p:spPr>
+      </p:pic>
+      <p:pic>
+        <p:nvPicPr>
+          <p:cNvPr id="6" name="Picture 5">
+            <a:extLst>
+              <a:ext uri="{FF2B5EF4-FFF2-40B4-BE49-F238E27FC236}">
+                <a16:creationId xmlns:a16="http://schemas.microsoft.com/office/drawing/2014/main" id="{F4874AC7-2679-4EA5-B547-0F5D4657D6D0}"/>
+              </a:ext>
+            </a:extLst>
+          </p:cNvPr>
+          <p:cNvPicPr>
+            <a:picLocks noChangeAspect="1"/>
+          </p:cNvPicPr>
+          <p:nvPr/>
+        </p:nvPicPr>
+        <p:blipFill>
+          <a:blip r:embed="rId4" cstate="print">
+            <a:extLst>
+              <a:ext uri="{28A0092B-C50C-407E-A947-70E740481C1C}">
+                <a14:useLocalDpi xmlns:a14="http://schemas.microsoft.com/office/drawing/2010/main" val="0"/>
+              </a:ext>
+            </a:extLst>
+          </a:blip>
+          <a:stretch>
+            <a:fillRect/>
+          </a:stretch>
+        </p:blipFill>
+        <p:spPr>
+          <a:xfrm>
+            <a:off x="35496" y="0"/>
+            <a:ext cx="1476103" cy="645727"/>
           </a:xfrm>
           <a:prstGeom prst="rect">
             <a:avLst/>
@@ -5808,10 +5808,10 @@
       </p:pic>
       <p:pic>
         <p:nvPicPr>
-          <p:cNvPr id="6" name="Picture 5">
+          <p:cNvPr id="7" name="Picture 6">
             <a:extLst>
               <a:ext uri="{FF2B5EF4-FFF2-40B4-BE49-F238E27FC236}">
-                <a16:creationId xmlns:a16="http://schemas.microsoft.com/office/drawing/2014/main" id="{669DC09F-33B1-457A-A063-1BA1B1C7B4EC}"/>
+                <a16:creationId xmlns:a16="http://schemas.microsoft.com/office/drawing/2014/main" id="{E0993D5C-32D0-4F20-BF3E-88DCA098A5E7}"/>
               </a:ext>
             </a:extLst>
           </p:cNvPr>
@@ -5834,8 +5834,8 @@
         </p:blipFill>
         <p:spPr>
           <a:xfrm>
-            <a:off x="36555" y="9835"/>
-            <a:ext cx="1439101" cy="545691"/>
+            <a:off x="35496" y="0"/>
+            <a:ext cx="1476103" cy="645727"/>
           </a:xfrm>
           <a:prstGeom prst="rect">
             <a:avLst/>
@@ -5995,10 +5995,10 @@
       </p:pic>
       <p:pic>
         <p:nvPicPr>
-          <p:cNvPr id="7" name="Picture 6">
+          <p:cNvPr id="6" name="Picture 5">
             <a:extLst>
               <a:ext uri="{FF2B5EF4-FFF2-40B4-BE49-F238E27FC236}">
-                <a16:creationId xmlns:a16="http://schemas.microsoft.com/office/drawing/2014/main" id="{12601D18-C081-42DD-A090-6AA71FA8BB53}"/>
+                <a16:creationId xmlns:a16="http://schemas.microsoft.com/office/drawing/2014/main" id="{10ED3F30-B579-4CB4-B82B-4F4ADA5FCE3B}"/>
               </a:ext>
             </a:extLst>
           </p:cNvPr>
@@ -6021,8 +6021,8 @@
         </p:blipFill>
         <p:spPr>
           <a:xfrm>
-            <a:off x="36555" y="9835"/>
-            <a:ext cx="1439101" cy="545691"/>
+            <a:off x="35496" y="0"/>
+            <a:ext cx="1476103" cy="645727"/>
           </a:xfrm>
           <a:prstGeom prst="rect">
             <a:avLst/>
@@ -6364,10 +6364,10 @@
       </p:sp>
       <p:pic>
         <p:nvPicPr>
-          <p:cNvPr id="8" name="Picture 7">
+          <p:cNvPr id="9" name="Picture 8">
             <a:extLst>
               <a:ext uri="{FF2B5EF4-FFF2-40B4-BE49-F238E27FC236}">
-                <a16:creationId xmlns:a16="http://schemas.microsoft.com/office/drawing/2014/main" id="{9B29393B-1F76-4738-AF51-F1D6FA7BE3B1}"/>
+                <a16:creationId xmlns:a16="http://schemas.microsoft.com/office/drawing/2014/main" id="{1FD7F089-2BFC-4705-9E9E-7CA0F68034D6}"/>
               </a:ext>
             </a:extLst>
           </p:cNvPr>
@@ -6390,8 +6390,8 @@
         </p:blipFill>
         <p:spPr>
           <a:xfrm>
-            <a:off x="36555" y="9835"/>
-            <a:ext cx="1439101" cy="545691"/>
+            <a:off x="35496" y="0"/>
+            <a:ext cx="1476103" cy="645727"/>
           </a:xfrm>
           <a:prstGeom prst="rect">
             <a:avLst/>
@@ -8054,10 +8054,10 @@
       </p:sp>
       <p:pic>
         <p:nvPicPr>
-          <p:cNvPr id="16" name="Picture 15">
+          <p:cNvPr id="5" name="Picture 4">
             <a:extLst>
               <a:ext uri="{FF2B5EF4-FFF2-40B4-BE49-F238E27FC236}">
-                <a16:creationId xmlns:a16="http://schemas.microsoft.com/office/drawing/2014/main" id="{6052F07F-94B3-436D-8498-4BD53417101A}"/>
+                <a16:creationId xmlns:a16="http://schemas.microsoft.com/office/drawing/2014/main" id="{4E22D743-DA51-4140-9CEF-AC0B28CCCBA4}"/>
               </a:ext>
             </a:extLst>
           </p:cNvPr>
@@ -8080,8 +8080,8 @@
         </p:blipFill>
         <p:spPr>
           <a:xfrm>
-            <a:off x="36555" y="9835"/>
-            <a:ext cx="1439101" cy="545691"/>
+            <a:off x="35496" y="0"/>
+            <a:ext cx="1476103" cy="645727"/>
           </a:xfrm>
           <a:prstGeom prst="rect">
             <a:avLst/>
@@ -8269,10 +8269,10 @@
       </p:sp>
       <p:pic>
         <p:nvPicPr>
-          <p:cNvPr id="6" name="Picture 5">
+          <p:cNvPr id="7" name="Picture 6">
             <a:extLst>
               <a:ext uri="{FF2B5EF4-FFF2-40B4-BE49-F238E27FC236}">
-                <a16:creationId xmlns:a16="http://schemas.microsoft.com/office/drawing/2014/main" id="{627CFFBE-DC28-4E5E-A3BD-A05F8CBEB899}"/>
+                <a16:creationId xmlns:a16="http://schemas.microsoft.com/office/drawing/2014/main" id="{5BA50050-4EF4-4C68-A68F-721EA0917532}"/>
               </a:ext>
             </a:extLst>
           </p:cNvPr>
@@ -8295,8 +8295,8 @@
         </p:blipFill>
         <p:spPr>
           <a:xfrm>
-            <a:off x="36555" y="9835"/>
-            <a:ext cx="1439101" cy="545691"/>
+            <a:off x="35496" y="-20538"/>
+            <a:ext cx="1476103" cy="645727"/>
           </a:xfrm>
           <a:prstGeom prst="rect">
             <a:avLst/>
@@ -8425,10 +8425,10 @@
       </p:sp>
       <p:pic>
         <p:nvPicPr>
-          <p:cNvPr id="5" name="Picture 4">
+          <p:cNvPr id="6" name="Picture 5">
             <a:extLst>
               <a:ext uri="{FF2B5EF4-FFF2-40B4-BE49-F238E27FC236}">
-                <a16:creationId xmlns:a16="http://schemas.microsoft.com/office/drawing/2014/main" id="{DF1E9608-289F-4116-977E-8B136F5D4B9B}"/>
+                <a16:creationId xmlns:a16="http://schemas.microsoft.com/office/drawing/2014/main" id="{1E076E32-4762-4CF4-9AB1-D3BBA999D788}"/>
               </a:ext>
             </a:extLst>
           </p:cNvPr>
@@ -8451,8 +8451,8 @@
         </p:blipFill>
         <p:spPr>
           <a:xfrm>
-            <a:off x="36555" y="9835"/>
-            <a:ext cx="1439101" cy="545691"/>
+            <a:off x="35496" y="0"/>
+            <a:ext cx="1476103" cy="645727"/>
           </a:xfrm>
           <a:prstGeom prst="rect">
             <a:avLst/>
@@ -8812,8 +8812,34 @@
                 <a:ea typeface="Times New Roman" panose="02020603050405020304" pitchFamily="18" charset="0"/>
                 <a:cs typeface="Arial" panose="020B0604020202020204" pitchFamily="34" charset="0"/>
               </a:rPr>
-              <a:t>Quản lý kho hàng</a:t>
-            </a:r>
+              <a:t>Quản lý </a:t>
+            </a:r>
+            <a:r>
+              <a:rPr lang="en-US" sz="1400">
+                <a:solidFill>
+                  <a:schemeClr val="tx1">
+                    <a:lumMod val="75000"/>
+                    <a:lumOff val="25000"/>
+                  </a:schemeClr>
+                </a:solidFill>
+                <a:latin typeface="Arial" panose="020B0604020202020204" pitchFamily="34" charset="0"/>
+                <a:ea typeface="Times New Roman" panose="02020603050405020304" pitchFamily="18" charset="0"/>
+                <a:cs typeface="Arial" panose="020B0604020202020204" pitchFamily="34" charset="0"/>
+              </a:rPr>
+              <a:t>sản phẩm</a:t>
+            </a:r>
+            <a:endParaRPr lang="en-US" sz="1400">
+              <a:solidFill>
+                <a:schemeClr val="tx1">
+                  <a:lumMod val="75000"/>
+                  <a:lumOff val="25000"/>
+                </a:schemeClr>
+              </a:solidFill>
+              <a:effectLst/>
+              <a:latin typeface="Arial" panose="020B0604020202020204" pitchFamily="34" charset="0"/>
+              <a:ea typeface="Times New Roman" panose="02020603050405020304" pitchFamily="18" charset="0"/>
+              <a:cs typeface="Arial" panose="020B0604020202020204" pitchFamily="34" charset="0"/>
+            </a:endParaRPr>
           </a:p>
           <a:p>
             <a:pPr marL="285750" indent="-285750">
@@ -8865,10 +8891,10 @@
       </p:pic>
       <p:pic>
         <p:nvPicPr>
-          <p:cNvPr id="7" name="Picture 6">
+          <p:cNvPr id="8" name="Picture 7">
             <a:extLst>
               <a:ext uri="{FF2B5EF4-FFF2-40B4-BE49-F238E27FC236}">
-                <a16:creationId xmlns:a16="http://schemas.microsoft.com/office/drawing/2014/main" id="{D4D8A387-B18F-4D5E-A35C-5D73A076120C}"/>
+                <a16:creationId xmlns:a16="http://schemas.microsoft.com/office/drawing/2014/main" id="{B23FC3D7-578B-473F-BBBA-2913CC4DF0A1}"/>
               </a:ext>
             </a:extLst>
           </p:cNvPr>
@@ -8891,8 +8917,8 @@
         </p:blipFill>
         <p:spPr>
           <a:xfrm>
-            <a:off x="36555" y="9835"/>
-            <a:ext cx="1439101" cy="545691"/>
+            <a:off x="35496" y="0"/>
+            <a:ext cx="1476103" cy="645727"/>
           </a:xfrm>
           <a:prstGeom prst="rect">
             <a:avLst/>
@@ -9316,10 +9342,10 @@
       </p:pic>
       <p:pic>
         <p:nvPicPr>
-          <p:cNvPr id="8" name="Picture 7">
+          <p:cNvPr id="7" name="Picture 6">
             <a:extLst>
               <a:ext uri="{FF2B5EF4-FFF2-40B4-BE49-F238E27FC236}">
-                <a16:creationId xmlns:a16="http://schemas.microsoft.com/office/drawing/2014/main" id="{53C240C6-C848-4C64-8DC9-7855C88EDD82}"/>
+                <a16:creationId xmlns:a16="http://schemas.microsoft.com/office/drawing/2014/main" id="{ACE75BAA-E2DE-40CD-9DD8-624505D5831A}"/>
               </a:ext>
             </a:extLst>
           </p:cNvPr>
@@ -9342,8 +9368,8 @@
         </p:blipFill>
         <p:spPr>
           <a:xfrm>
-            <a:off x="36555" y="9835"/>
-            <a:ext cx="1439101" cy="545691"/>
+            <a:off x="35496" y="0"/>
+            <a:ext cx="1476103" cy="645727"/>
           </a:xfrm>
           <a:prstGeom prst="rect">
             <a:avLst/>
@@ -9818,10 +9844,10 @@
       </p:pic>
       <p:pic>
         <p:nvPicPr>
-          <p:cNvPr id="9" name="Picture 8">
+          <p:cNvPr id="8" name="Picture 7">
             <a:extLst>
               <a:ext uri="{FF2B5EF4-FFF2-40B4-BE49-F238E27FC236}">
-                <a16:creationId xmlns:a16="http://schemas.microsoft.com/office/drawing/2014/main" id="{0A633E71-6662-4BD5-9639-CB4A9AF0E21F}"/>
+                <a16:creationId xmlns:a16="http://schemas.microsoft.com/office/drawing/2014/main" id="{EF551104-2950-4CB3-A5C8-D4AA529F22AA}"/>
               </a:ext>
             </a:extLst>
           </p:cNvPr>
@@ -9844,8 +9870,8 @@
         </p:blipFill>
         <p:spPr>
           <a:xfrm>
-            <a:off x="36555" y="9835"/>
-            <a:ext cx="1439101" cy="545691"/>
+            <a:off x="35496" y="0"/>
+            <a:ext cx="1476103" cy="645727"/>
           </a:xfrm>
           <a:prstGeom prst="rect">
             <a:avLst/>
@@ -10374,10 +10400,10 @@
       </p:pic>
       <p:pic>
         <p:nvPicPr>
-          <p:cNvPr id="8" name="Picture 7">
+          <p:cNvPr id="9" name="Picture 8">
             <a:extLst>
               <a:ext uri="{FF2B5EF4-FFF2-40B4-BE49-F238E27FC236}">
-                <a16:creationId xmlns:a16="http://schemas.microsoft.com/office/drawing/2014/main" id="{A80FD3D7-3CAB-404C-9D14-9AAA5274381A}"/>
+                <a16:creationId xmlns:a16="http://schemas.microsoft.com/office/drawing/2014/main" id="{C340639A-6726-4D93-970D-FDED48517DF3}"/>
               </a:ext>
             </a:extLst>
           </p:cNvPr>
@@ -10400,8 +10426,8 @@
         </p:blipFill>
         <p:spPr>
           <a:xfrm>
-            <a:off x="36555" y="9835"/>
-            <a:ext cx="1439101" cy="545691"/>
+            <a:off x="35496" y="0"/>
+            <a:ext cx="1476103" cy="645727"/>
           </a:xfrm>
           <a:prstGeom prst="rect">
             <a:avLst/>

--- a/Tai lieu/DuAn.pptx
+++ b/Tai lieu/DuAn.pptx
@@ -222,7 +222,7 @@
           <a:p>
             <a:fld id="{AE2A0723-01D1-412A-8EC4-16FA1DD3D4B0}" type="datetimeFigureOut">
               <a:rPr lang="en-US" smtClean="0"/>
-              <a:t>01/26/2021</a:t>
+              <a:t>4/7/2021</a:t>
             </a:fld>
             <a:endParaRPr lang="en-US"/>
           </a:p>
